--- a/brief-booking.pptx
+++ b/brief-booking.pptx
@@ -5,21 +5,20 @@
     <p:sldMasterId id="2147483785" r:id="rId1"/>
   </p:sldMasterIdLst>
   <p:notesMasterIdLst>
-    <p:notesMasterId r:id="rId14"/>
+    <p:notesMasterId r:id="rId13"/>
   </p:notesMasterIdLst>
   <p:sldIdLst>
     <p:sldId id="284" r:id="rId2"/>
     <p:sldId id="383" r:id="rId3"/>
     <p:sldId id="363" r:id="rId4"/>
-    <p:sldId id="378" r:id="rId5"/>
-    <p:sldId id="382" r:id="rId6"/>
-    <p:sldId id="373" r:id="rId7"/>
-    <p:sldId id="374" r:id="rId8"/>
-    <p:sldId id="375" r:id="rId9"/>
-    <p:sldId id="376" r:id="rId10"/>
-    <p:sldId id="377" r:id="rId11"/>
-    <p:sldId id="381" r:id="rId12"/>
-    <p:sldId id="380" r:id="rId13"/>
+    <p:sldId id="382" r:id="rId5"/>
+    <p:sldId id="373" r:id="rId6"/>
+    <p:sldId id="374" r:id="rId7"/>
+    <p:sldId id="375" r:id="rId8"/>
+    <p:sldId id="376" r:id="rId9"/>
+    <p:sldId id="377" r:id="rId10"/>
+    <p:sldId id="381" r:id="rId11"/>
+    <p:sldId id="380" r:id="rId12"/>
   </p:sldIdLst>
   <p:sldSz cx="12192000" cy="6858000"/>
   <p:notesSz cx="6858000" cy="9144000"/>
@@ -227,7 +226,7 @@
           <a:p>
             <a:fld id="{E84EEB34-97FB-4EB6-94F3-BE77FB14F98F}" type="datetimeFigureOut">
               <a:rPr lang="fr-FR" smtClean="0"/>
-              <a:t>18/04/2017</a:t>
+              <a:t>19/04/2017</a:t>
             </a:fld>
             <a:endParaRPr lang="fr-FR"/>
           </a:p>
@@ -385,7 +384,7 @@
           <a:p>
             <a:fld id="{10873A35-AAD5-4155-BD33-597A3E52AC70}" type="slidenum">
               <a:rPr lang="fr-FR" smtClean="0"/>
-              <a:t>‹#›</a:t>
+              <a:t>‹N°›</a:t>
             </a:fld>
             <a:endParaRPr lang="fr-FR"/>
           </a:p>
@@ -565,7 +564,7 @@
           <a:p>
             <a:fld id="{66F51646-D1C4-4237-AAC1-B7EE73D2219C}" type="datetime2">
               <a:rPr lang="fr-FR" smtClean="0"/>
-              <a:t>mardi 18 avril 2017</a:t>
+              <a:t>mercredi 19 avril 2017</a:t>
             </a:fld>
             <a:endParaRPr lang="fr-FR" dirty="0"/>
           </a:p>
@@ -677,7 +676,7 @@
           <a:p>
             <a:fld id="{19AF8401-F389-4EEF-B818-952EC9923797}" type="datetime2">
               <a:rPr lang="fr-FR" smtClean="0"/>
-              <a:t>mardi 18 avril 2017</a:t>
+              <a:t>mercredi 19 avril 2017</a:t>
             </a:fld>
             <a:endParaRPr lang="fr-FR" dirty="0"/>
           </a:p>
@@ -719,7 +718,7 @@
           <a:p>
             <a:fld id="{3C3F152F-8EB9-4859-B040-1D239EBF308C}" type="slidenum">
               <a:rPr lang="fr-FR" smtClean="0"/>
-              <a:t>‹#›</a:t>
+              <a:t>‹N°›</a:t>
             </a:fld>
             <a:endParaRPr lang="fr-FR" dirty="0"/>
           </a:p>
@@ -961,7 +960,7 @@
           <a:p>
             <a:fld id="{FC8A476D-DF56-4666-AE5C-754476717461}" type="datetime2">
               <a:rPr lang="fr-FR" smtClean="0"/>
-              <a:t>mardi 18 avril 2017</a:t>
+              <a:t>mercredi 19 avril 2017</a:t>
             </a:fld>
             <a:endParaRPr lang="fr-FR" dirty="0"/>
           </a:p>
@@ -1003,7 +1002,7 @@
           <a:p>
             <a:fld id="{3C3F152F-8EB9-4859-B040-1D239EBF308C}" type="slidenum">
               <a:rPr lang="fr-FR" smtClean="0"/>
-              <a:t>‹#›</a:t>
+              <a:t>‹N°›</a:t>
             </a:fld>
             <a:endParaRPr lang="fr-FR" dirty="0"/>
           </a:p>
@@ -1225,7 +1224,7 @@
           <a:p>
             <a:fld id="{56BD6E9E-FF35-4D1F-A30F-01441858197B}" type="datetime2">
               <a:rPr lang="fr-FR" smtClean="0"/>
-              <a:t>mardi 18 avril 2017</a:t>
+              <a:t>mercredi 19 avril 2017</a:t>
             </a:fld>
             <a:endParaRPr lang="fr-FR"/>
           </a:p>
@@ -1267,7 +1266,7 @@
           <a:p>
             <a:fld id="{3C3F152F-8EB9-4859-B040-1D239EBF308C}" type="slidenum">
               <a:rPr lang="fr-FR" smtClean="0"/>
-              <a:t>‹#›</a:t>
+              <a:t>‹N°›</a:t>
             </a:fld>
             <a:endParaRPr lang="fr-FR"/>
           </a:p>
@@ -1395,7 +1394,7 @@
           <a:p>
             <a:fld id="{A2BCAAED-AE3B-468C-9A51-46913ED26712}" type="datetime2">
               <a:rPr lang="fr-FR" smtClean="0"/>
-              <a:t>mardi 18 avril 2017</a:t>
+              <a:t>mercredi 19 avril 2017</a:t>
             </a:fld>
             <a:endParaRPr lang="fr-FR"/>
           </a:p>
@@ -1437,7 +1436,7 @@
           <a:p>
             <a:fld id="{3C3F152F-8EB9-4859-B040-1D239EBF308C}" type="slidenum">
               <a:rPr lang="fr-FR" smtClean="0"/>
-              <a:t>‹#›</a:t>
+              <a:t>‹N°›</a:t>
             </a:fld>
             <a:endParaRPr lang="fr-FR"/>
           </a:p>
@@ -1575,7 +1574,7 @@
           <a:p>
             <a:fld id="{183EBA4A-8604-4394-A866-3BDB802B9D3B}" type="datetime2">
               <a:rPr lang="fr-FR" smtClean="0"/>
-              <a:t>mardi 18 avril 2017</a:t>
+              <a:t>mercredi 19 avril 2017</a:t>
             </a:fld>
             <a:endParaRPr lang="fr-FR" dirty="0"/>
           </a:p>
@@ -1617,7 +1616,7 @@
           <a:p>
             <a:fld id="{3C3F152F-8EB9-4859-B040-1D239EBF308C}" type="slidenum">
               <a:rPr lang="fr-FR" smtClean="0"/>
-              <a:t>‹#›</a:t>
+              <a:t>‹N°›</a:t>
             </a:fld>
             <a:endParaRPr lang="fr-FR"/>
           </a:p>
@@ -1734,7 +1733,7 @@
             <a:effectLst/>
             <a:extLst>
               <a:ext uri="{C572A759-6A51-4108-AA02-DFA0A04FC94B}">
-                <ma14:wrappingTextBoxFlag xmlns:ma14="http://schemas.microsoft.com/office/mac/drawingml/2011/main" xmlns="" val="1"/>
+                <ma14:wrappingTextBoxFlag xmlns="" xmlns:ma14="http://schemas.microsoft.com/office/mac/drawingml/2011/main" val="1"/>
               </a:ext>
             </a:extLst>
           </p:spPr>
@@ -1881,7 +1880,7 @@
             <a:effectLst/>
             <a:extLst>
               <a:ext uri="{C572A759-6A51-4108-AA02-DFA0A04FC94B}">
-                <ma14:wrappingTextBoxFlag xmlns:ma14="http://schemas.microsoft.com/office/mac/drawingml/2011/main" xmlns="" val="1"/>
+                <ma14:wrappingTextBoxFlag xmlns="" xmlns:ma14="http://schemas.microsoft.com/office/mac/drawingml/2011/main" val="1"/>
               </a:ext>
             </a:extLst>
           </p:spPr>
@@ -1945,7 +1944,7 @@
           </a:ln>
           <a:extLst>
             <a:ext uri="{C572A759-6A51-4108-AA02-DFA0A04FC94B}">
-              <ma14:wrappingTextBoxFlag xmlns:ma14="http://schemas.microsoft.com/office/mac/drawingml/2011/main" xmlns="" val="1"/>
+              <ma14:wrappingTextBoxFlag xmlns="" xmlns:ma14="http://schemas.microsoft.com/office/mac/drawingml/2011/main" val="1"/>
             </a:ext>
           </a:extLst>
         </p:spPr>
@@ -2003,7 +2002,7 @@
           </a:ln>
           <a:extLst>
             <a:ext uri="{C572A759-6A51-4108-AA02-DFA0A04FC94B}">
-              <ma14:wrappingTextBoxFlag xmlns:ma14="http://schemas.microsoft.com/office/mac/drawingml/2011/main" xmlns="" val="1"/>
+              <ma14:wrappingTextBoxFlag xmlns="" xmlns:ma14="http://schemas.microsoft.com/office/mac/drawingml/2011/main" val="1"/>
             </a:ext>
           </a:extLst>
         </p:spPr>
@@ -3267,7 +3266,7 @@
           <a:effectLst/>
           <a:extLst>
             <a:ext uri="{C572A759-6A51-4108-AA02-DFA0A04FC94B}">
-              <ma14:wrappingTextBoxFlag xmlns:ma14="http://schemas.microsoft.com/office/mac/drawingml/2011/main" xmlns="" val="1"/>
+              <ma14:wrappingTextBoxFlag xmlns="" xmlns:ma14="http://schemas.microsoft.com/office/mac/drawingml/2011/main" val="1"/>
             </a:ext>
           </a:extLst>
         </p:spPr>
@@ -3355,7 +3354,7 @@
           <a:effectLst/>
           <a:extLst>
             <a:ext uri="{C572A759-6A51-4108-AA02-DFA0A04FC94B}">
-              <ma14:wrappingTextBoxFlag xmlns:ma14="http://schemas.microsoft.com/office/mac/drawingml/2011/main" xmlns="" val="1"/>
+              <ma14:wrappingTextBoxFlag xmlns="" xmlns:ma14="http://schemas.microsoft.com/office/mac/drawingml/2011/main" val="1"/>
             </a:ext>
           </a:extLst>
         </p:spPr>
@@ -3434,7 +3433,7 @@
           <a:effectLst/>
           <a:extLst>
             <a:ext uri="{C572A759-6A51-4108-AA02-DFA0A04FC94B}">
-              <ma14:wrappingTextBoxFlag xmlns:ma14="http://schemas.microsoft.com/office/mac/drawingml/2011/main" xmlns="" val="1"/>
+              <ma14:wrappingTextBoxFlag xmlns="" xmlns:ma14="http://schemas.microsoft.com/office/mac/drawingml/2011/main" val="1"/>
             </a:ext>
           </a:extLst>
         </p:spPr>
@@ -4137,7 +4136,7 @@
           <a:p>
             <a:fld id="{A40D51B6-0CC1-488C-A1F1-AF09E3A13D69}" type="datetime2">
               <a:rPr lang="fr-FR" smtClean="0"/>
-              <a:t>mardi 18 avril 2017</a:t>
+              <a:t>mercredi 19 avril 2017</a:t>
             </a:fld>
             <a:endParaRPr lang="fr-FR" dirty="0"/>
           </a:p>
@@ -4179,7 +4178,7 @@
           <a:p>
             <a:fld id="{3C3F152F-8EB9-4859-B040-1D239EBF308C}" type="slidenum">
               <a:rPr lang="fr-FR" smtClean="0"/>
-              <a:t>‹#›</a:t>
+              <a:t>‹N°›</a:t>
             </a:fld>
             <a:endParaRPr lang="fr-FR" dirty="0"/>
           </a:p>
@@ -4483,7 +4482,7 @@
           <a:p>
             <a:fld id="{50F7B2C3-75E2-4F4D-9AF9-1C0A782FDC22}" type="datetime2">
               <a:rPr lang="fr-FR" smtClean="0"/>
-              <a:t>mardi 18 avril 2017</a:t>
+              <a:t>mercredi 19 avril 2017</a:t>
             </a:fld>
             <a:endParaRPr lang="fr-FR" dirty="0"/>
           </a:p>
@@ -4525,7 +4524,7 @@
           <a:p>
             <a:fld id="{3C3F152F-8EB9-4859-B040-1D239EBF308C}" type="slidenum">
               <a:rPr lang="fr-FR" smtClean="0"/>
-              <a:t>‹#›</a:t>
+              <a:t>‹N°›</a:t>
             </a:fld>
             <a:endParaRPr lang="fr-FR" dirty="0"/>
           </a:p>
@@ -4830,7 +4829,7 @@
           <a:p>
             <a:fld id="{6FB619AC-7D4D-44DE-BCD6-D34F8079D971}" type="datetime2">
               <a:rPr lang="fr-FR" smtClean="0"/>
-              <a:t>mardi 18 avril 2017</a:t>
+              <a:t>mercredi 19 avril 2017</a:t>
             </a:fld>
             <a:endParaRPr lang="fr-FR" dirty="0"/>
           </a:p>
@@ -4872,7 +4871,7 @@
           <a:p>
             <a:fld id="{3C3F152F-8EB9-4859-B040-1D239EBF308C}" type="slidenum">
               <a:rPr lang="fr-FR" smtClean="0"/>
-              <a:t>‹#›</a:t>
+              <a:t>‹N°›</a:t>
             </a:fld>
             <a:endParaRPr lang="fr-FR"/>
           </a:p>
@@ -4948,7 +4947,7 @@
           <a:p>
             <a:fld id="{57109D74-2303-47F0-B73B-C8ACC8192D00}" type="datetime2">
               <a:rPr lang="fr-FR" smtClean="0"/>
-              <a:t>mardi 18 avril 2017</a:t>
+              <a:t>mercredi 19 avril 2017</a:t>
             </a:fld>
             <a:endParaRPr lang="fr-FR" dirty="0"/>
           </a:p>
@@ -4990,7 +4989,7 @@
           <a:p>
             <a:fld id="{3C3F152F-8EB9-4859-B040-1D239EBF308C}" type="slidenum">
               <a:rPr lang="fr-FR" smtClean="0"/>
-              <a:t>‹#›</a:t>
+              <a:t>‹N°›</a:t>
             </a:fld>
             <a:endParaRPr lang="fr-FR" dirty="0"/>
           </a:p>
@@ -5182,7 +5181,7 @@
           <a:p>
             <a:fld id="{A7F2356D-B03B-4EEF-A51E-152387E62707}" type="datetime2">
               <a:rPr lang="fr-FR" smtClean="0"/>
-              <a:t>mardi 18 avril 2017</a:t>
+              <a:t>mercredi 19 avril 2017</a:t>
             </a:fld>
             <a:endParaRPr lang="fr-FR" dirty="0"/>
           </a:p>
@@ -5257,7 +5256,7 @@
             <a:fld id="{3C3F152F-8EB9-4859-B040-1D239EBF308C}" type="slidenum">
               <a:rPr lang="fr-FR" smtClean="0"/>
               <a:pPr/>
-              <a:t>‹#›</a:t>
+              <a:t>‹N°›</a:t>
             </a:fld>
             <a:endParaRPr lang="fr-FR" dirty="0"/>
           </a:p>
@@ -5647,7 +5646,7 @@
           <a:p>
             <a:fld id="{C7D67A4A-4AC0-4FD4-941A-5BB6088A0C5E}" type="datetime2">
               <a:rPr lang="fr-FR" smtClean="0"/>
-              <a:t>mardi 18 avril 2017</a:t>
+              <a:t>mercredi 19 avril 2017</a:t>
             </a:fld>
             <a:endParaRPr lang="fr-FR" dirty="0"/>
           </a:p>
@@ -5685,288 +5684,6 @@
       </p:grpSpPr>
       <p:sp>
         <p:nvSpPr>
-          <p:cNvPr id="2" name="Titre 1"/>
-          <p:cNvSpPr>
-            <a:spLocks noGrp="1"/>
-          </p:cNvSpPr>
-          <p:nvPr>
-            <p:ph type="title"/>
-          </p:nvPr>
-        </p:nvSpPr>
-        <p:spPr/>
-        <p:txBody>
-          <a:bodyPr/>
-          <a:lstStyle/>
-          <a:p>
-            <a:r>
-              <a:rPr lang="fr-FR" b="1" dirty="0">
-                <a:solidFill>
-                  <a:srgbClr val="C00000"/>
-                </a:solidFill>
-              </a:rPr>
-              <a:t>Éléments du </a:t>
-            </a:r>
-            <a:r>
-              <a:rPr lang="fr-FR" b="1" dirty="0" err="1">
-                <a:solidFill>
-                  <a:srgbClr val="C00000"/>
-                </a:solidFill>
-              </a:rPr>
-              <a:t>brief</a:t>
-            </a:r>
-            <a:br>
-              <a:rPr lang="fr-FR" dirty="0"/>
-            </a:br>
-            <a:r>
-              <a:rPr lang="fr-FR" dirty="0"/>
-              <a:t>Les parcours utilisateurs</a:t>
-            </a:r>
-          </a:p>
-        </p:txBody>
-      </p:sp>
-      <p:sp>
-        <p:nvSpPr>
-          <p:cNvPr id="20" name="Espace réservé du contenu 2"/>
-          <p:cNvSpPr>
-            <a:spLocks noGrp="1"/>
-          </p:cNvSpPr>
-          <p:nvPr>
-            <p:ph type="body" sz="quarter" idx="13"/>
-          </p:nvPr>
-        </p:nvSpPr>
-        <p:spPr>
-          <a:xfrm>
-            <a:off x="0" y="1509486"/>
-            <a:ext cx="6591300" cy="4879720"/>
-          </a:xfrm>
-        </p:spPr>
-        <p:txBody>
-          <a:bodyPr lIns="360000" tIns="54000" rIns="360000" bIns="54000"/>
-          <a:lstStyle/>
-          <a:p>
-            <a:pPr marL="0" indent="0">
-              <a:lnSpc>
-                <a:spcPct val="114000"/>
-              </a:lnSpc>
-              <a:spcBef>
-                <a:spcPts val="0"/>
-              </a:spcBef>
-              <a:spcAft>
-                <a:spcPts val="2500"/>
-              </a:spcAft>
-              <a:buNone/>
-            </a:pPr>
-            <a:r>
-              <a:rPr lang="fr-FR" sz="1600" dirty="0"/>
-              <a:t>En ateliers, nous avons exploré plusieurs pistes de parcours utilisateurs, restitués dans ce document :</a:t>
-            </a:r>
-          </a:p>
-          <a:p>
-            <a:pPr marL="0" indent="0">
-              <a:lnSpc>
-                <a:spcPct val="114000"/>
-              </a:lnSpc>
-              <a:spcBef>
-                <a:spcPts val="0"/>
-              </a:spcBef>
-              <a:spcAft>
-                <a:spcPts val="2500"/>
-              </a:spcAft>
-              <a:buNone/>
-            </a:pPr>
-            <a:endParaRPr lang="fr-FR" sz="1600" dirty="0"/>
-          </a:p>
-          <a:p>
-            <a:pPr marL="0" indent="0">
-              <a:lnSpc>
-                <a:spcPct val="114000"/>
-              </a:lnSpc>
-              <a:spcBef>
-                <a:spcPts val="0"/>
-              </a:spcBef>
-              <a:spcAft>
-                <a:spcPts val="2500"/>
-              </a:spcAft>
-              <a:buNone/>
-            </a:pPr>
-            <a:endParaRPr lang="fr-FR" sz="1600" dirty="0"/>
-          </a:p>
-          <a:p>
-            <a:pPr marL="0" indent="0">
-              <a:lnSpc>
-                <a:spcPct val="114000"/>
-              </a:lnSpc>
-              <a:spcBef>
-                <a:spcPts val="0"/>
-              </a:spcBef>
-              <a:spcAft>
-                <a:spcPts val="2500"/>
-              </a:spcAft>
-              <a:buNone/>
-            </a:pPr>
-            <a:endParaRPr lang="fr-FR" sz="1600" dirty="0"/>
-          </a:p>
-          <a:p>
-            <a:pPr marL="0" indent="0">
-              <a:lnSpc>
-                <a:spcPct val="114000"/>
-              </a:lnSpc>
-              <a:spcBef>
-                <a:spcPts val="0"/>
-              </a:spcBef>
-              <a:spcAft>
-                <a:spcPts val="2500"/>
-              </a:spcAft>
-              <a:buNone/>
-            </a:pPr>
-            <a:endParaRPr lang="fr-FR" sz="1600" dirty="0"/>
-          </a:p>
-          <a:p>
-            <a:pPr marL="0" indent="0">
-              <a:lnSpc>
-                <a:spcPct val="114000"/>
-              </a:lnSpc>
-              <a:spcBef>
-                <a:spcPts val="0"/>
-              </a:spcBef>
-              <a:spcAft>
-                <a:spcPts val="2500"/>
-              </a:spcAft>
-              <a:buNone/>
-            </a:pPr>
-            <a:endParaRPr lang="fr-FR" sz="1600" dirty="0"/>
-          </a:p>
-          <a:p>
-            <a:pPr marL="0" indent="0">
-              <a:lnSpc>
-                <a:spcPct val="114000"/>
-              </a:lnSpc>
-              <a:spcBef>
-                <a:spcPts val="0"/>
-              </a:spcBef>
-              <a:spcAft>
-                <a:spcPts val="2500"/>
-              </a:spcAft>
-              <a:buNone/>
-            </a:pPr>
-            <a:endParaRPr lang="fr-FR" sz="1600" dirty="0"/>
-          </a:p>
-          <a:p>
-            <a:pPr marL="0" indent="0">
-              <a:lnSpc>
-                <a:spcPct val="114000"/>
-              </a:lnSpc>
-              <a:spcBef>
-                <a:spcPts val="0"/>
-              </a:spcBef>
-              <a:spcAft>
-                <a:spcPts val="2500"/>
-              </a:spcAft>
-              <a:buNone/>
-            </a:pPr>
-            <a:r>
-              <a:rPr lang="fr-FR" sz="1600" dirty="0">
-                <a:hlinkClick r:id="rId2"/>
-              </a:rPr>
-              <a:t>[Lien]</a:t>
-            </a:r>
-            <a:endParaRPr lang="fr-FR" sz="1600" dirty="0"/>
-          </a:p>
-        </p:txBody>
-      </p:sp>
-      <p:pic>
-        <p:nvPicPr>
-          <p:cNvPr id="8" name="Image 5"/>
-          <p:cNvPicPr>
-            <a:picLocks noChangeAspect="1"/>
-          </p:cNvPicPr>
-          <p:nvPr/>
-        </p:nvPicPr>
-        <p:blipFill>
-          <a:blip r:embed="rId3">
-            <a:extLst>
-              <a:ext uri="{28A0092B-C50C-407E-A947-70E740481C1C}">
-                <a14:useLocalDpi xmlns:a14="http://schemas.microsoft.com/office/drawing/2010/main" val="0"/>
-              </a:ext>
-            </a:extLst>
-          </a:blip>
-          <a:stretch>
-            <a:fillRect/>
-          </a:stretch>
-        </p:blipFill>
-        <p:spPr>
-          <a:xfrm>
-            <a:off x="11128828" y="125186"/>
-            <a:ext cx="914400" cy="914400"/>
-          </a:xfrm>
-          <a:prstGeom prst="rect">
-            <a:avLst/>
-          </a:prstGeom>
-        </p:spPr>
-      </p:pic>
-      <p:pic>
-        <p:nvPicPr>
-          <p:cNvPr id="3" name="Picture 2"/>
-          <p:cNvPicPr>
-            <a:picLocks noChangeAspect="1"/>
-          </p:cNvPicPr>
-          <p:nvPr/>
-        </p:nvPicPr>
-        <p:blipFill>
-          <a:blip r:embed="rId4"/>
-          <a:stretch>
-            <a:fillRect/>
-          </a:stretch>
-        </p:blipFill>
-        <p:spPr>
-          <a:xfrm>
-            <a:off x="319087" y="2293736"/>
-            <a:ext cx="6067425" cy="3390900"/>
-          </a:xfrm>
-          <a:prstGeom prst="rect">
-            <a:avLst/>
-          </a:prstGeom>
-          <a:effectLst>
-            <a:outerShdw blurRad="50800" dist="38100" dir="2700000" algn="tl" rotWithShape="0">
-              <a:prstClr val="black">
-                <a:alpha val="40000"/>
-              </a:prstClr>
-            </a:outerShdw>
-          </a:effectLst>
-        </p:spPr>
-      </p:pic>
-    </p:spTree>
-    <p:extLst>
-      <p:ext uri="{BB962C8B-B14F-4D97-AF65-F5344CB8AC3E}">
-        <p14:creationId xmlns:p14="http://schemas.microsoft.com/office/powerpoint/2010/main" val="3418089694"/>
-      </p:ext>
-    </p:extLst>
-  </p:cSld>
-  <p:clrMapOvr>
-    <a:masterClrMapping/>
-  </p:clrMapOvr>
-</p:sld>
-</file>
-
-<file path=ppt/slides/slide11.xml><?xml version="1.0" encoding="utf-8"?>
-<p:sld xmlns:a="http://schemas.openxmlformats.org/drawingml/2006/main" xmlns:r="http://schemas.openxmlformats.org/officeDocument/2006/relationships" xmlns:p="http://schemas.openxmlformats.org/presentationml/2006/main">
-  <p:cSld>
-    <p:spTree>
-      <p:nvGrpSpPr>
-        <p:cNvPr id="1" name=""/>
-        <p:cNvGrpSpPr/>
-        <p:nvPr/>
-      </p:nvGrpSpPr>
-      <p:grpSpPr>
-        <a:xfrm>
-          <a:off x="0" y="0"/>
-          <a:ext cx="0" cy="0"/>
-          <a:chOff x="0" y="0"/>
-          <a:chExt cx="0" cy="0"/>
-        </a:xfrm>
-      </p:grpSpPr>
-      <p:sp>
-        <p:nvSpPr>
           <p:cNvPr id="4" name="Title 3"/>
           <p:cNvSpPr>
             <a:spLocks noGrp="1"/>
@@ -6000,7 +5717,7 @@
 </p:sld>
 </file>
 
-<file path=ppt/slides/slide12.xml><?xml version="1.0" encoding="utf-8"?>
+<file path=ppt/slides/slide11.xml><?xml version="1.0" encoding="utf-8"?>
 <p:sld xmlns:a="http://schemas.openxmlformats.org/drawingml/2006/main" xmlns:r="http://schemas.openxmlformats.org/officeDocument/2006/relationships" xmlns:p="http://schemas.openxmlformats.org/presentationml/2006/main">
   <p:cSld>
     <p:spTree>
@@ -7310,686 +7027,6 @@
       </p:grpSpPr>
       <p:sp>
         <p:nvSpPr>
-          <p:cNvPr id="2" name="Titre 1"/>
-          <p:cNvSpPr>
-            <a:spLocks noGrp="1"/>
-          </p:cNvSpPr>
-          <p:nvPr>
-            <p:ph type="title"/>
-          </p:nvPr>
-        </p:nvSpPr>
-        <p:spPr/>
-        <p:txBody>
-          <a:bodyPr/>
-          <a:lstStyle/>
-          <a:p>
-            <a:r>
-              <a:rPr lang="fr-FR" b="1" dirty="0">
-                <a:solidFill>
-                  <a:srgbClr val="C00000"/>
-                </a:solidFill>
-              </a:rPr>
-              <a:t>Présentation</a:t>
-            </a:r>
-            <a:br>
-              <a:rPr lang="fr-FR" b="1" dirty="0">
-                <a:solidFill>
-                  <a:srgbClr val="C00000"/>
-                </a:solidFill>
-              </a:rPr>
-            </a:br>
-            <a:r>
-              <a:rPr lang="fr-FR" dirty="0"/>
-              <a:t>Du </a:t>
-            </a:r>
-            <a:r>
-              <a:rPr lang="fr-FR" dirty="0" err="1"/>
-              <a:t>booking</a:t>
-            </a:r>
-            <a:r>
-              <a:rPr lang="fr-FR" dirty="0"/>
-              <a:t> de Thalys</a:t>
-            </a:r>
-          </a:p>
-        </p:txBody>
-      </p:sp>
-      <p:sp>
-        <p:nvSpPr>
-          <p:cNvPr id="20" name="Espace réservé du contenu 2"/>
-          <p:cNvSpPr>
-            <a:spLocks noGrp="1"/>
-          </p:cNvSpPr>
-          <p:nvPr>
-            <p:ph type="body" sz="quarter" idx="13"/>
-          </p:nvPr>
-        </p:nvSpPr>
-        <p:spPr>
-          <a:xfrm>
-            <a:off x="0" y="1509487"/>
-            <a:ext cx="12192000" cy="5529000"/>
-          </a:xfrm>
-        </p:spPr>
-        <p:txBody>
-          <a:bodyPr lIns="360000" tIns="54000" rIns="360000" bIns="54000" numCol="2"/>
-          <a:lstStyle/>
-          <a:p>
-            <a:pPr marL="0" indent="0">
-              <a:lnSpc>
-                <a:spcPct val="114000"/>
-              </a:lnSpc>
-              <a:spcBef>
-                <a:spcPts val="0"/>
-              </a:spcBef>
-              <a:spcAft>
-                <a:spcPts val="2500"/>
-              </a:spcAft>
-              <a:buNone/>
-            </a:pPr>
-            <a:r>
-              <a:rPr lang="fr-FR" sz="1600" b="1" dirty="0"/>
-              <a:t>X% du chiffre d’affaires de Thalys</a:t>
-            </a:r>
-            <a:br>
-              <a:rPr lang="fr-FR" sz="1600" b="1" dirty="0"/>
-            </a:br>
-            <a:r>
-              <a:rPr lang="fr-FR" dirty="0"/>
-              <a:t>Lorem ipsum dolor sit amet, consectetur adipiscing elit. Cras lobortis sit amet nulla et eleifend. Donec eget sapien nunc. Maecenas malesuada augue odio, nec auctor libero blandit </a:t>
-            </a:r>
-            <a:r>
-              <a:rPr lang="fr-FR" dirty="0" err="1"/>
-              <a:t>sollicitudin</a:t>
-            </a:r>
-            <a:r>
-              <a:rPr lang="fr-FR" dirty="0"/>
-              <a:t>. Lorem ipsum </a:t>
-            </a:r>
-            <a:r>
-              <a:rPr lang="fr-FR" dirty="0" err="1"/>
-              <a:t>dolor</a:t>
-            </a:r>
-            <a:r>
-              <a:rPr lang="fr-FR" dirty="0"/>
-              <a:t> </a:t>
-            </a:r>
-            <a:r>
-              <a:rPr lang="fr-FR" dirty="0" err="1"/>
-              <a:t>sit</a:t>
-            </a:r>
-            <a:r>
-              <a:rPr lang="fr-FR" dirty="0"/>
-              <a:t> </a:t>
-            </a:r>
-            <a:r>
-              <a:rPr lang="fr-FR" dirty="0" err="1"/>
-              <a:t>amet</a:t>
-            </a:r>
-            <a:r>
-              <a:rPr lang="fr-FR" dirty="0"/>
-              <a:t>, </a:t>
-            </a:r>
-            <a:r>
-              <a:rPr lang="fr-FR" dirty="0" err="1"/>
-              <a:t>consectetur</a:t>
-            </a:r>
-            <a:r>
-              <a:rPr lang="fr-FR" dirty="0"/>
-              <a:t> </a:t>
-            </a:r>
-            <a:r>
-              <a:rPr lang="fr-FR" dirty="0" err="1"/>
-              <a:t>adipiscing</a:t>
-            </a:r>
-            <a:r>
-              <a:rPr lang="fr-FR" dirty="0"/>
-              <a:t> </a:t>
-            </a:r>
-            <a:r>
-              <a:rPr lang="fr-FR" dirty="0" err="1"/>
-              <a:t>elit</a:t>
-            </a:r>
-            <a:r>
-              <a:rPr lang="fr-FR" dirty="0"/>
-              <a:t>. </a:t>
-            </a:r>
-            <a:r>
-              <a:rPr lang="fr-FR" dirty="0" err="1"/>
-              <a:t>Cras</a:t>
-            </a:r>
-            <a:r>
-              <a:rPr lang="fr-FR" dirty="0"/>
-              <a:t> </a:t>
-            </a:r>
-            <a:r>
-              <a:rPr lang="fr-FR" dirty="0" err="1"/>
-              <a:t>lobortis</a:t>
-            </a:r>
-            <a:r>
-              <a:rPr lang="fr-FR" dirty="0"/>
-              <a:t> </a:t>
-            </a:r>
-            <a:r>
-              <a:rPr lang="fr-FR" dirty="0" err="1"/>
-              <a:t>sit</a:t>
-            </a:r>
-            <a:r>
-              <a:rPr lang="fr-FR" dirty="0"/>
-              <a:t> </a:t>
-            </a:r>
-            <a:r>
-              <a:rPr lang="fr-FR" dirty="0" err="1"/>
-              <a:t>amet</a:t>
-            </a:r>
-            <a:r>
-              <a:rPr lang="fr-FR" dirty="0"/>
-              <a:t> </a:t>
-            </a:r>
-            <a:r>
-              <a:rPr lang="fr-FR" dirty="0" err="1"/>
-              <a:t>nulla</a:t>
-            </a:r>
-            <a:r>
-              <a:rPr lang="fr-FR" dirty="0"/>
-              <a:t> et </a:t>
-            </a:r>
-            <a:r>
-              <a:rPr lang="fr-FR" dirty="0" err="1"/>
-              <a:t>eleifend</a:t>
-            </a:r>
-            <a:r>
-              <a:rPr lang="fr-FR" dirty="0"/>
-              <a:t>. </a:t>
-            </a:r>
-            <a:r>
-              <a:rPr lang="fr-FR" dirty="0" err="1"/>
-              <a:t>Donec</a:t>
-            </a:r>
-            <a:r>
-              <a:rPr lang="fr-FR" dirty="0"/>
-              <a:t> </a:t>
-            </a:r>
-            <a:r>
-              <a:rPr lang="fr-FR" dirty="0" err="1"/>
-              <a:t>eget</a:t>
-            </a:r>
-            <a:r>
-              <a:rPr lang="fr-FR" dirty="0"/>
-              <a:t> </a:t>
-            </a:r>
-            <a:r>
-              <a:rPr lang="fr-FR" dirty="0" err="1"/>
-              <a:t>sapien</a:t>
-            </a:r>
-            <a:r>
-              <a:rPr lang="fr-FR" dirty="0"/>
-              <a:t> nunc. </a:t>
-            </a:r>
-            <a:r>
-              <a:rPr lang="fr-FR" dirty="0" err="1"/>
-              <a:t>Maecenas</a:t>
-            </a:r>
-            <a:r>
-              <a:rPr lang="fr-FR" dirty="0"/>
-              <a:t> </a:t>
-            </a:r>
-            <a:r>
-              <a:rPr lang="fr-FR" dirty="0" err="1"/>
-              <a:t>malesuada</a:t>
-            </a:r>
-            <a:r>
-              <a:rPr lang="fr-FR" dirty="0"/>
-              <a:t> </a:t>
-            </a:r>
-            <a:r>
-              <a:rPr lang="fr-FR" dirty="0" err="1"/>
-              <a:t>augue</a:t>
-            </a:r>
-            <a:r>
-              <a:rPr lang="fr-FR" dirty="0"/>
-              <a:t> </a:t>
-            </a:r>
-            <a:r>
-              <a:rPr lang="fr-FR" dirty="0" err="1"/>
-              <a:t>odio</a:t>
-            </a:r>
-            <a:r>
-              <a:rPr lang="fr-FR" dirty="0"/>
-              <a:t>, nec </a:t>
-            </a:r>
-            <a:r>
-              <a:rPr lang="fr-FR" dirty="0" err="1"/>
-              <a:t>auctor</a:t>
-            </a:r>
-            <a:r>
-              <a:rPr lang="fr-FR" dirty="0"/>
-              <a:t> libero </a:t>
-            </a:r>
-            <a:r>
-              <a:rPr lang="fr-FR" dirty="0" err="1"/>
-              <a:t>blandit</a:t>
-            </a:r>
-            <a:r>
-              <a:rPr lang="fr-FR" dirty="0"/>
-              <a:t> </a:t>
-            </a:r>
-            <a:r>
-              <a:rPr lang="fr-FR" dirty="0" err="1"/>
-              <a:t>sollicitudin</a:t>
-            </a:r>
-            <a:r>
-              <a:rPr lang="fr-FR" dirty="0"/>
-              <a:t>.</a:t>
-            </a:r>
-            <a:endParaRPr lang="fr-FR" sz="1600" b="1" dirty="0"/>
-          </a:p>
-          <a:p>
-            <a:pPr marL="0" indent="0">
-              <a:lnSpc>
-                <a:spcPct val="114000"/>
-              </a:lnSpc>
-              <a:spcBef>
-                <a:spcPts val="0"/>
-              </a:spcBef>
-              <a:spcAft>
-                <a:spcPts val="2500"/>
-              </a:spcAft>
-              <a:buNone/>
-            </a:pPr>
-            <a:r>
-              <a:rPr lang="fr-FR" sz="1600" b="1" dirty="0"/>
-              <a:t>Un volume important de nouveaux utilisateurs</a:t>
-            </a:r>
-            <a:br>
-              <a:rPr lang="fr-FR" sz="1600" b="1" dirty="0"/>
-            </a:br>
-            <a:r>
-              <a:rPr lang="fr-FR" dirty="0"/>
-              <a:t>Lorem ipsum dolor sit amet, consectetur adipiscing elit. Cras lobortis sit amet nulla et eleifend. Donec eget sapien nunc. Maecenas malesuada augue odio, nec auctor libero blandit </a:t>
-            </a:r>
-            <a:r>
-              <a:rPr lang="fr-FR" dirty="0" err="1"/>
-              <a:t>sollicitudin</a:t>
-            </a:r>
-            <a:r>
-              <a:rPr lang="fr-FR" dirty="0"/>
-              <a:t>. Lorem ipsum </a:t>
-            </a:r>
-            <a:r>
-              <a:rPr lang="fr-FR" dirty="0" err="1"/>
-              <a:t>dolor</a:t>
-            </a:r>
-            <a:r>
-              <a:rPr lang="fr-FR" dirty="0"/>
-              <a:t> </a:t>
-            </a:r>
-            <a:r>
-              <a:rPr lang="fr-FR" dirty="0" err="1"/>
-              <a:t>sit</a:t>
-            </a:r>
-            <a:r>
-              <a:rPr lang="fr-FR" dirty="0"/>
-              <a:t> </a:t>
-            </a:r>
-            <a:r>
-              <a:rPr lang="fr-FR" dirty="0" err="1"/>
-              <a:t>amet</a:t>
-            </a:r>
-            <a:r>
-              <a:rPr lang="fr-FR" dirty="0"/>
-              <a:t>, </a:t>
-            </a:r>
-            <a:r>
-              <a:rPr lang="fr-FR" dirty="0" err="1"/>
-              <a:t>consectetur</a:t>
-            </a:r>
-            <a:r>
-              <a:rPr lang="fr-FR" dirty="0"/>
-              <a:t> </a:t>
-            </a:r>
-            <a:r>
-              <a:rPr lang="fr-FR" dirty="0" err="1"/>
-              <a:t>adipiscing</a:t>
-            </a:r>
-            <a:r>
-              <a:rPr lang="fr-FR" dirty="0"/>
-              <a:t> </a:t>
-            </a:r>
-            <a:r>
-              <a:rPr lang="fr-FR" dirty="0" err="1"/>
-              <a:t>elit</a:t>
-            </a:r>
-            <a:r>
-              <a:rPr lang="fr-FR" dirty="0"/>
-              <a:t>. </a:t>
-            </a:r>
-            <a:r>
-              <a:rPr lang="fr-FR" dirty="0" err="1"/>
-              <a:t>Cras</a:t>
-            </a:r>
-            <a:r>
-              <a:rPr lang="fr-FR" dirty="0"/>
-              <a:t> </a:t>
-            </a:r>
-            <a:r>
-              <a:rPr lang="fr-FR" dirty="0" err="1"/>
-              <a:t>lobortis</a:t>
-            </a:r>
-            <a:r>
-              <a:rPr lang="fr-FR" dirty="0"/>
-              <a:t> </a:t>
-            </a:r>
-            <a:r>
-              <a:rPr lang="fr-FR" dirty="0" err="1"/>
-              <a:t>sit</a:t>
-            </a:r>
-            <a:r>
-              <a:rPr lang="fr-FR" dirty="0"/>
-              <a:t> </a:t>
-            </a:r>
-            <a:r>
-              <a:rPr lang="fr-FR" dirty="0" err="1"/>
-              <a:t>amet</a:t>
-            </a:r>
-            <a:r>
-              <a:rPr lang="fr-FR" dirty="0"/>
-              <a:t> </a:t>
-            </a:r>
-            <a:r>
-              <a:rPr lang="fr-FR" dirty="0" err="1"/>
-              <a:t>nulla</a:t>
-            </a:r>
-            <a:r>
-              <a:rPr lang="fr-FR" dirty="0"/>
-              <a:t> et </a:t>
-            </a:r>
-            <a:r>
-              <a:rPr lang="fr-FR" dirty="0" err="1"/>
-              <a:t>eleifend</a:t>
-            </a:r>
-            <a:r>
-              <a:rPr lang="fr-FR" dirty="0"/>
-              <a:t>. </a:t>
-            </a:r>
-            <a:r>
-              <a:rPr lang="fr-FR" dirty="0" err="1"/>
-              <a:t>Donec</a:t>
-            </a:r>
-            <a:r>
-              <a:rPr lang="fr-FR" dirty="0"/>
-              <a:t> </a:t>
-            </a:r>
-            <a:r>
-              <a:rPr lang="fr-FR" dirty="0" err="1"/>
-              <a:t>eget</a:t>
-            </a:r>
-            <a:r>
-              <a:rPr lang="fr-FR" dirty="0"/>
-              <a:t> </a:t>
-            </a:r>
-            <a:r>
-              <a:rPr lang="fr-FR" dirty="0" err="1"/>
-              <a:t>sapien</a:t>
-            </a:r>
-            <a:r>
-              <a:rPr lang="fr-FR" dirty="0"/>
-              <a:t> nunc. </a:t>
-            </a:r>
-            <a:r>
-              <a:rPr lang="fr-FR" dirty="0" err="1"/>
-              <a:t>Maecenas</a:t>
-            </a:r>
-            <a:r>
-              <a:rPr lang="fr-FR" dirty="0"/>
-              <a:t> </a:t>
-            </a:r>
-            <a:r>
-              <a:rPr lang="fr-FR" dirty="0" err="1"/>
-              <a:t>malesuada</a:t>
-            </a:r>
-            <a:r>
-              <a:rPr lang="fr-FR" dirty="0"/>
-              <a:t> </a:t>
-            </a:r>
-            <a:r>
-              <a:rPr lang="fr-FR" dirty="0" err="1"/>
-              <a:t>augue</a:t>
-            </a:r>
-            <a:r>
-              <a:rPr lang="fr-FR" dirty="0"/>
-              <a:t> </a:t>
-            </a:r>
-            <a:r>
-              <a:rPr lang="fr-FR" dirty="0" err="1"/>
-              <a:t>odio</a:t>
-            </a:r>
-            <a:r>
-              <a:rPr lang="fr-FR" dirty="0"/>
-              <a:t>, nec </a:t>
-            </a:r>
-            <a:r>
-              <a:rPr lang="fr-FR" dirty="0" err="1"/>
-              <a:t>auctor</a:t>
-            </a:r>
-            <a:r>
-              <a:rPr lang="fr-FR" dirty="0"/>
-              <a:t> libero </a:t>
-            </a:r>
-            <a:r>
-              <a:rPr lang="fr-FR" dirty="0" err="1"/>
-              <a:t>blandit</a:t>
-            </a:r>
-            <a:r>
-              <a:rPr lang="fr-FR" dirty="0"/>
-              <a:t> </a:t>
-            </a:r>
-            <a:r>
-              <a:rPr lang="fr-FR" dirty="0" err="1"/>
-              <a:t>sollicitudin</a:t>
-            </a:r>
-            <a:r>
-              <a:rPr lang="fr-FR" dirty="0"/>
-              <a:t>.</a:t>
-            </a:r>
-          </a:p>
-          <a:p>
-            <a:pPr marL="0" indent="0">
-              <a:lnSpc>
-                <a:spcPct val="114000"/>
-              </a:lnSpc>
-              <a:spcBef>
-                <a:spcPts val="0"/>
-              </a:spcBef>
-              <a:spcAft>
-                <a:spcPts val="2500"/>
-              </a:spcAft>
-              <a:buNone/>
-            </a:pPr>
-            <a:endParaRPr lang="fr-FR" sz="1600" b="1" dirty="0"/>
-          </a:p>
-          <a:p>
-            <a:pPr marL="0" indent="0">
-              <a:lnSpc>
-                <a:spcPct val="114000"/>
-              </a:lnSpc>
-              <a:spcBef>
-                <a:spcPts val="0"/>
-              </a:spcBef>
-              <a:spcAft>
-                <a:spcPts val="2500"/>
-              </a:spcAft>
-              <a:buNone/>
-            </a:pPr>
-            <a:r>
-              <a:rPr lang="fr-FR" sz="1600" b="1" dirty="0"/>
-              <a:t>Quatre parcours distincts</a:t>
-            </a:r>
-            <a:br>
-              <a:rPr lang="fr-FR" sz="1600" b="1" dirty="0"/>
-            </a:br>
-            <a:r>
-              <a:rPr lang="fr-FR" dirty="0"/>
-              <a:t>Les billets Thalys sont distribués par la SNCF en France et en Allemagne, et par la SNCB en Belgique et aux Pays-Bas. Les parcours de </a:t>
-            </a:r>
-            <a:r>
-              <a:rPr lang="fr-FR" dirty="0" err="1"/>
-              <a:t>booking</a:t>
-            </a:r>
-            <a:r>
-              <a:rPr lang="fr-FR" dirty="0"/>
-              <a:t> ne sont pas les mêmes pour ces deux distributeurs, en raison de socles techniques différents. De plus, chaque distributeur propose une version mobile de son parcours de </a:t>
-            </a:r>
-            <a:r>
-              <a:rPr lang="fr-FR" dirty="0" err="1"/>
-              <a:t>booking</a:t>
-            </a:r>
-            <a:r>
-              <a:rPr lang="fr-FR" dirty="0"/>
-              <a:t>, ce qui amène à 4 le nombre de parcours de réservation.</a:t>
-            </a:r>
-            <a:endParaRPr lang="fr-FR" sz="1600" b="1" dirty="0"/>
-          </a:p>
-          <a:p>
-            <a:pPr marL="0" indent="0">
-              <a:lnSpc>
-                <a:spcPct val="114000"/>
-              </a:lnSpc>
-              <a:spcBef>
-                <a:spcPts val="0"/>
-              </a:spcBef>
-              <a:spcAft>
-                <a:spcPts val="2500"/>
-              </a:spcAft>
-              <a:buNone/>
-            </a:pPr>
-            <a:r>
-              <a:rPr lang="fr-FR" sz="1600" b="1" dirty="0"/>
-              <a:t>Une nouvelle offre en cours de déploiement</a:t>
-            </a:r>
-            <a:br>
-              <a:rPr lang="fr-FR" sz="1600" b="1" dirty="0"/>
-            </a:br>
-            <a:r>
-              <a:rPr lang="fr-FR" dirty="0"/>
-              <a:t>Thalys déploie en septembre sa « nouvelle offre » qui modifie les conditions tarifaires et les services à bord pour nos clients. Le principal changement est l’introduction d’un nouveau niveau de </a:t>
-            </a:r>
-            <a:r>
-              <a:rPr lang="fr-FR" dirty="0" err="1"/>
-              <a:t>comfort</a:t>
-            </a:r>
-            <a:r>
-              <a:rPr lang="fr-FR" dirty="0"/>
-              <a:t>, les billets </a:t>
-            </a:r>
-            <a:r>
-              <a:rPr lang="fr-FR" dirty="0" err="1"/>
-              <a:t>Comfort</a:t>
-            </a:r>
-            <a:r>
-              <a:rPr lang="fr-FR" dirty="0"/>
-              <a:t> 1 sans services additionnels. Un défi du nouveau </a:t>
-            </a:r>
-            <a:r>
-              <a:rPr lang="fr-FR" dirty="0" err="1"/>
-              <a:t>booking</a:t>
-            </a:r>
-            <a:r>
-              <a:rPr lang="fr-FR" dirty="0"/>
-              <a:t> sera de présenter clairement cette offre pour permettre à l’utilisateur de faire son choix.</a:t>
-            </a:r>
-            <a:endParaRPr lang="fr-FR" sz="1600" b="1" dirty="0"/>
-          </a:p>
-          <a:p>
-            <a:pPr marL="0" indent="0">
-              <a:lnSpc>
-                <a:spcPct val="114000"/>
-              </a:lnSpc>
-              <a:spcBef>
-                <a:spcPts val="0"/>
-              </a:spcBef>
-              <a:spcAft>
-                <a:spcPts val="2500"/>
-              </a:spcAft>
-              <a:buNone/>
-            </a:pPr>
-            <a:endParaRPr lang="fr-FR" sz="1600" b="1" dirty="0"/>
-          </a:p>
-        </p:txBody>
-      </p:sp>
-      <p:sp>
-        <p:nvSpPr>
-          <p:cNvPr id="3" name="Rectangle 2"/>
-          <p:cNvSpPr/>
-          <p:nvPr/>
-        </p:nvSpPr>
-        <p:spPr>
-          <a:xfrm>
-            <a:off x="9093200" y="279400"/>
-            <a:ext cx="2832100" cy="647700"/>
-          </a:xfrm>
-          <a:prstGeom prst="rect">
-            <a:avLst/>
-          </a:prstGeom>
-        </p:spPr>
-        <p:style>
-          <a:lnRef idx="2">
-            <a:schemeClr val="accent1">
-              <a:shade val="50000"/>
-            </a:schemeClr>
-          </a:lnRef>
-          <a:fillRef idx="1">
-            <a:schemeClr val="accent1"/>
-          </a:fillRef>
-          <a:effectRef idx="0">
-            <a:schemeClr val="accent1"/>
-          </a:effectRef>
-          <a:fontRef idx="minor">
-            <a:schemeClr val="lt1"/>
-          </a:fontRef>
-        </p:style>
-        <p:txBody>
-          <a:bodyPr rtlCol="0" anchor="ctr"/>
-          <a:lstStyle/>
-          <a:p>
-            <a:pPr algn="ctr"/>
-            <a:r>
-              <a:rPr lang="fr-FR" dirty="0"/>
-              <a:t>À terminer</a:t>
-            </a:r>
-          </a:p>
-        </p:txBody>
-      </p:sp>
-    </p:spTree>
-    <p:extLst>
-      <p:ext uri="{BB962C8B-B14F-4D97-AF65-F5344CB8AC3E}">
-        <p14:creationId xmlns:p14="http://schemas.microsoft.com/office/powerpoint/2010/main" val="1699843748"/>
-      </p:ext>
-    </p:extLst>
-  </p:cSld>
-  <p:clrMapOvr>
-    <a:masterClrMapping/>
-  </p:clrMapOvr>
-</p:sld>
-</file>
-
-<file path=ppt/slides/slide5.xml><?xml version="1.0" encoding="utf-8"?>
-<p:sld xmlns:a="http://schemas.openxmlformats.org/drawingml/2006/main" xmlns:r="http://schemas.openxmlformats.org/officeDocument/2006/relationships" xmlns:p="http://schemas.openxmlformats.org/presentationml/2006/main">
-  <p:cSld>
-    <p:spTree>
-      <p:nvGrpSpPr>
-        <p:cNvPr id="1" name=""/>
-        <p:cNvGrpSpPr/>
-        <p:nvPr/>
-      </p:nvGrpSpPr>
-      <p:grpSpPr>
-        <a:xfrm>
-          <a:off x="0" y="0"/>
-          <a:ext cx="0" cy="0"/>
-          <a:chOff x="0" y="0"/>
-          <a:chExt cx="0" cy="0"/>
-        </a:xfrm>
-      </p:grpSpPr>
-      <p:sp>
-        <p:nvSpPr>
           <p:cNvPr id="4" name="Title 3"/>
           <p:cNvSpPr>
             <a:spLocks noGrp="1"/>
@@ -8047,7 +7084,7 @@
 </p:sld>
 </file>
 
-<file path=ppt/slides/slide6.xml><?xml version="1.0" encoding="utf-8"?>
+<file path=ppt/slides/slide5.xml><?xml version="1.0" encoding="utf-8"?>
 <p:sld xmlns:a="http://schemas.openxmlformats.org/drawingml/2006/main" xmlns:r="http://schemas.openxmlformats.org/officeDocument/2006/relationships" xmlns:p="http://schemas.openxmlformats.org/presentationml/2006/main">
   <p:cSld>
     <p:spTree>
@@ -8553,7 +7590,7 @@
 </p:sld>
 </file>
 
-<file path=ppt/slides/slide7.xml><?xml version="1.0" encoding="utf-8"?>
+<file path=ppt/slides/slide6.xml><?xml version="1.0" encoding="utf-8"?>
 <p:sld xmlns:a="http://schemas.openxmlformats.org/drawingml/2006/main" xmlns:r="http://schemas.openxmlformats.org/officeDocument/2006/relationships" xmlns:p="http://schemas.openxmlformats.org/presentationml/2006/main">
   <p:cSld>
     <p:spTree>
@@ -8863,7 +7900,7 @@
 </p:sld>
 </file>
 
-<file path=ppt/slides/slide8.xml><?xml version="1.0" encoding="utf-8"?>
+<file path=ppt/slides/slide7.xml><?xml version="1.0" encoding="utf-8"?>
 <p:sld xmlns:a="http://schemas.openxmlformats.org/drawingml/2006/main" xmlns:r="http://schemas.openxmlformats.org/officeDocument/2006/relationships" xmlns:p="http://schemas.openxmlformats.org/presentationml/2006/main">
   <p:cSld>
     <p:spTree>
@@ -9168,7 +8205,7 @@
 </p:sld>
 </file>
 
-<file path=ppt/slides/slide9.xml><?xml version="1.0" encoding="utf-8"?>
+<file path=ppt/slides/slide8.xml><?xml version="1.0" encoding="utf-8"?>
 <p:sld xmlns:a="http://schemas.openxmlformats.org/drawingml/2006/main" xmlns:r="http://schemas.openxmlformats.org/officeDocument/2006/relationships" xmlns:p="http://schemas.openxmlformats.org/presentationml/2006/main">
   <p:cSld>
     <p:spTree>
@@ -9485,6 +8522,288 @@
     <p:extLst>
       <p:ext uri="{BB962C8B-B14F-4D97-AF65-F5344CB8AC3E}">
         <p14:creationId xmlns:p14="http://schemas.microsoft.com/office/powerpoint/2010/main" val="3937930937"/>
+      </p:ext>
+    </p:extLst>
+  </p:cSld>
+  <p:clrMapOvr>
+    <a:masterClrMapping/>
+  </p:clrMapOvr>
+</p:sld>
+</file>
+
+<file path=ppt/slides/slide9.xml><?xml version="1.0" encoding="utf-8"?>
+<p:sld xmlns:a="http://schemas.openxmlformats.org/drawingml/2006/main" xmlns:r="http://schemas.openxmlformats.org/officeDocument/2006/relationships" xmlns:p="http://schemas.openxmlformats.org/presentationml/2006/main">
+  <p:cSld>
+    <p:spTree>
+      <p:nvGrpSpPr>
+        <p:cNvPr id="1" name=""/>
+        <p:cNvGrpSpPr/>
+        <p:nvPr/>
+      </p:nvGrpSpPr>
+      <p:grpSpPr>
+        <a:xfrm>
+          <a:off x="0" y="0"/>
+          <a:ext cx="0" cy="0"/>
+          <a:chOff x="0" y="0"/>
+          <a:chExt cx="0" cy="0"/>
+        </a:xfrm>
+      </p:grpSpPr>
+      <p:sp>
+        <p:nvSpPr>
+          <p:cNvPr id="2" name="Titre 1"/>
+          <p:cNvSpPr>
+            <a:spLocks noGrp="1"/>
+          </p:cNvSpPr>
+          <p:nvPr>
+            <p:ph type="title"/>
+          </p:nvPr>
+        </p:nvSpPr>
+        <p:spPr/>
+        <p:txBody>
+          <a:bodyPr/>
+          <a:lstStyle/>
+          <a:p>
+            <a:r>
+              <a:rPr lang="fr-FR" b="1" dirty="0">
+                <a:solidFill>
+                  <a:srgbClr val="C00000"/>
+                </a:solidFill>
+              </a:rPr>
+              <a:t>Éléments du </a:t>
+            </a:r>
+            <a:r>
+              <a:rPr lang="fr-FR" b="1" dirty="0" err="1">
+                <a:solidFill>
+                  <a:srgbClr val="C00000"/>
+                </a:solidFill>
+              </a:rPr>
+              <a:t>brief</a:t>
+            </a:r>
+            <a:br>
+              <a:rPr lang="fr-FR" dirty="0"/>
+            </a:br>
+            <a:r>
+              <a:rPr lang="fr-FR" dirty="0"/>
+              <a:t>Les parcours utilisateurs</a:t>
+            </a:r>
+          </a:p>
+        </p:txBody>
+      </p:sp>
+      <p:sp>
+        <p:nvSpPr>
+          <p:cNvPr id="20" name="Espace réservé du contenu 2"/>
+          <p:cNvSpPr>
+            <a:spLocks noGrp="1"/>
+          </p:cNvSpPr>
+          <p:nvPr>
+            <p:ph type="body" sz="quarter" idx="13"/>
+          </p:nvPr>
+        </p:nvSpPr>
+        <p:spPr>
+          <a:xfrm>
+            <a:off x="0" y="1509486"/>
+            <a:ext cx="6591300" cy="4879720"/>
+          </a:xfrm>
+        </p:spPr>
+        <p:txBody>
+          <a:bodyPr lIns="360000" tIns="54000" rIns="360000" bIns="54000"/>
+          <a:lstStyle/>
+          <a:p>
+            <a:pPr marL="0" indent="0">
+              <a:lnSpc>
+                <a:spcPct val="114000"/>
+              </a:lnSpc>
+              <a:spcBef>
+                <a:spcPts val="0"/>
+              </a:spcBef>
+              <a:spcAft>
+                <a:spcPts val="2500"/>
+              </a:spcAft>
+              <a:buNone/>
+            </a:pPr>
+            <a:r>
+              <a:rPr lang="fr-FR" sz="1600" dirty="0"/>
+              <a:t>En ateliers, nous avons exploré plusieurs pistes de parcours utilisateurs, restitués dans ce document :</a:t>
+            </a:r>
+          </a:p>
+          <a:p>
+            <a:pPr marL="0" indent="0">
+              <a:lnSpc>
+                <a:spcPct val="114000"/>
+              </a:lnSpc>
+              <a:spcBef>
+                <a:spcPts val="0"/>
+              </a:spcBef>
+              <a:spcAft>
+                <a:spcPts val="2500"/>
+              </a:spcAft>
+              <a:buNone/>
+            </a:pPr>
+            <a:endParaRPr lang="fr-FR" sz="1600" dirty="0"/>
+          </a:p>
+          <a:p>
+            <a:pPr marL="0" indent="0">
+              <a:lnSpc>
+                <a:spcPct val="114000"/>
+              </a:lnSpc>
+              <a:spcBef>
+                <a:spcPts val="0"/>
+              </a:spcBef>
+              <a:spcAft>
+                <a:spcPts val="2500"/>
+              </a:spcAft>
+              <a:buNone/>
+            </a:pPr>
+            <a:endParaRPr lang="fr-FR" sz="1600" dirty="0"/>
+          </a:p>
+          <a:p>
+            <a:pPr marL="0" indent="0">
+              <a:lnSpc>
+                <a:spcPct val="114000"/>
+              </a:lnSpc>
+              <a:spcBef>
+                <a:spcPts val="0"/>
+              </a:spcBef>
+              <a:spcAft>
+                <a:spcPts val="2500"/>
+              </a:spcAft>
+              <a:buNone/>
+            </a:pPr>
+            <a:endParaRPr lang="fr-FR" sz="1600" dirty="0"/>
+          </a:p>
+          <a:p>
+            <a:pPr marL="0" indent="0">
+              <a:lnSpc>
+                <a:spcPct val="114000"/>
+              </a:lnSpc>
+              <a:spcBef>
+                <a:spcPts val="0"/>
+              </a:spcBef>
+              <a:spcAft>
+                <a:spcPts val="2500"/>
+              </a:spcAft>
+              <a:buNone/>
+            </a:pPr>
+            <a:endParaRPr lang="fr-FR" sz="1600" dirty="0"/>
+          </a:p>
+          <a:p>
+            <a:pPr marL="0" indent="0">
+              <a:lnSpc>
+                <a:spcPct val="114000"/>
+              </a:lnSpc>
+              <a:spcBef>
+                <a:spcPts val="0"/>
+              </a:spcBef>
+              <a:spcAft>
+                <a:spcPts val="2500"/>
+              </a:spcAft>
+              <a:buNone/>
+            </a:pPr>
+            <a:endParaRPr lang="fr-FR" sz="1600" dirty="0"/>
+          </a:p>
+          <a:p>
+            <a:pPr marL="0" indent="0">
+              <a:lnSpc>
+                <a:spcPct val="114000"/>
+              </a:lnSpc>
+              <a:spcBef>
+                <a:spcPts val="0"/>
+              </a:spcBef>
+              <a:spcAft>
+                <a:spcPts val="2500"/>
+              </a:spcAft>
+              <a:buNone/>
+            </a:pPr>
+            <a:endParaRPr lang="fr-FR" sz="1600" dirty="0"/>
+          </a:p>
+          <a:p>
+            <a:pPr marL="0" indent="0">
+              <a:lnSpc>
+                <a:spcPct val="114000"/>
+              </a:lnSpc>
+              <a:spcBef>
+                <a:spcPts val="0"/>
+              </a:spcBef>
+              <a:spcAft>
+                <a:spcPts val="2500"/>
+              </a:spcAft>
+              <a:buNone/>
+            </a:pPr>
+            <a:r>
+              <a:rPr lang="fr-FR" sz="1600" dirty="0">
+                <a:hlinkClick r:id="rId2"/>
+              </a:rPr>
+              <a:t>[Lien]</a:t>
+            </a:r>
+            <a:endParaRPr lang="fr-FR" sz="1600" dirty="0"/>
+          </a:p>
+        </p:txBody>
+      </p:sp>
+      <p:pic>
+        <p:nvPicPr>
+          <p:cNvPr id="8" name="Image 5"/>
+          <p:cNvPicPr>
+            <a:picLocks noChangeAspect="1"/>
+          </p:cNvPicPr>
+          <p:nvPr/>
+        </p:nvPicPr>
+        <p:blipFill>
+          <a:blip r:embed="rId3">
+            <a:extLst>
+              <a:ext uri="{28A0092B-C50C-407E-A947-70E740481C1C}">
+                <a14:useLocalDpi xmlns:a14="http://schemas.microsoft.com/office/drawing/2010/main" val="0"/>
+              </a:ext>
+            </a:extLst>
+          </a:blip>
+          <a:stretch>
+            <a:fillRect/>
+          </a:stretch>
+        </p:blipFill>
+        <p:spPr>
+          <a:xfrm>
+            <a:off x="11128828" y="125186"/>
+            <a:ext cx="914400" cy="914400"/>
+          </a:xfrm>
+          <a:prstGeom prst="rect">
+            <a:avLst/>
+          </a:prstGeom>
+        </p:spPr>
+      </p:pic>
+      <p:pic>
+        <p:nvPicPr>
+          <p:cNvPr id="3" name="Picture 2"/>
+          <p:cNvPicPr>
+            <a:picLocks noChangeAspect="1"/>
+          </p:cNvPicPr>
+          <p:nvPr/>
+        </p:nvPicPr>
+        <p:blipFill>
+          <a:blip r:embed="rId4"/>
+          <a:stretch>
+            <a:fillRect/>
+          </a:stretch>
+        </p:blipFill>
+        <p:spPr>
+          <a:xfrm>
+            <a:off x="319087" y="2293736"/>
+            <a:ext cx="6067425" cy="3390900"/>
+          </a:xfrm>
+          <a:prstGeom prst="rect">
+            <a:avLst/>
+          </a:prstGeom>
+          <a:effectLst>
+            <a:outerShdw blurRad="50800" dist="38100" dir="2700000" algn="tl" rotWithShape="0">
+              <a:prstClr val="black">
+                <a:alpha val="40000"/>
+              </a:prstClr>
+            </a:outerShdw>
+          </a:effectLst>
+        </p:spPr>
+      </p:pic>
+    </p:spTree>
+    <p:extLst>
+      <p:ext uri="{BB962C8B-B14F-4D97-AF65-F5344CB8AC3E}">
+        <p14:creationId xmlns:p14="http://schemas.microsoft.com/office/powerpoint/2010/main" val="3418089694"/>
       </p:ext>
     </p:extLst>
   </p:cSld>
